--- a/materials/ch02/ch02_5-表单.pptx
+++ b/materials/ch02/ch02_5-表单.pptx
@@ -221,7 +221,7 @@
           <a:p>
             <a:fld id="{2D8595BF-39CF-4B79-81E9-EDED4DA211E1}" type="datetimeFigureOut">
               <a:rPr lang="zh-CN" altLang="en-US" smtClean="0"/>
-              <a:t>2019/8/30</a:t>
+              <a:t>2019/9/4</a:t>
             </a:fld>
             <a:endParaRPr lang="zh-CN" altLang="en-US"/>
           </a:p>
@@ -803,7 +803,7 @@
           <a:p>
             <a:fld id="{BBF6169D-416D-4C06-B08B-5CE62A641987}" type="datetimeFigureOut">
               <a:rPr lang="zh-CN" altLang="en-US" smtClean="0"/>
-              <a:t>2019/8/30</a:t>
+              <a:t>2019/9/4</a:t>
             </a:fld>
             <a:endParaRPr lang="zh-CN" altLang="en-US"/>
           </a:p>
@@ -1001,7 +1001,7 @@
           <a:p>
             <a:fld id="{BBF6169D-416D-4C06-B08B-5CE62A641987}" type="datetimeFigureOut">
               <a:rPr lang="zh-CN" altLang="en-US" smtClean="0"/>
-              <a:t>2019/8/30</a:t>
+              <a:t>2019/9/4</a:t>
             </a:fld>
             <a:endParaRPr lang="zh-CN" altLang="en-US"/>
           </a:p>
@@ -1209,7 +1209,7 @@
           <a:p>
             <a:fld id="{BBF6169D-416D-4C06-B08B-5CE62A641987}" type="datetimeFigureOut">
               <a:rPr lang="zh-CN" altLang="en-US" smtClean="0"/>
-              <a:t>2019/8/30</a:t>
+              <a:t>2019/9/4</a:t>
             </a:fld>
             <a:endParaRPr lang="zh-CN" altLang="en-US"/>
           </a:p>
@@ -1407,7 +1407,7 @@
           <a:p>
             <a:fld id="{BBF6169D-416D-4C06-B08B-5CE62A641987}" type="datetimeFigureOut">
               <a:rPr lang="zh-CN" altLang="en-US" smtClean="0"/>
-              <a:t>2019/8/30</a:t>
+              <a:t>2019/9/4</a:t>
             </a:fld>
             <a:endParaRPr lang="zh-CN" altLang="en-US"/>
           </a:p>
@@ -1682,7 +1682,7 @@
           <a:p>
             <a:fld id="{BBF6169D-416D-4C06-B08B-5CE62A641987}" type="datetimeFigureOut">
               <a:rPr lang="zh-CN" altLang="en-US" smtClean="0"/>
-              <a:t>2019/8/30</a:t>
+              <a:t>2019/9/4</a:t>
             </a:fld>
             <a:endParaRPr lang="zh-CN" altLang="en-US"/>
           </a:p>
@@ -1947,7 +1947,7 @@
           <a:p>
             <a:fld id="{BBF6169D-416D-4C06-B08B-5CE62A641987}" type="datetimeFigureOut">
               <a:rPr lang="zh-CN" altLang="en-US" smtClean="0"/>
-              <a:t>2019/8/30</a:t>
+              <a:t>2019/9/4</a:t>
             </a:fld>
             <a:endParaRPr lang="zh-CN" altLang="en-US"/>
           </a:p>
@@ -2359,7 +2359,7 @@
           <a:p>
             <a:fld id="{BBF6169D-416D-4C06-B08B-5CE62A641987}" type="datetimeFigureOut">
               <a:rPr lang="zh-CN" altLang="en-US" smtClean="0"/>
-              <a:t>2019/8/30</a:t>
+              <a:t>2019/9/4</a:t>
             </a:fld>
             <a:endParaRPr lang="zh-CN" altLang="en-US"/>
           </a:p>
@@ -2500,7 +2500,7 @@
           <a:p>
             <a:fld id="{BBF6169D-416D-4C06-B08B-5CE62A641987}" type="datetimeFigureOut">
               <a:rPr lang="zh-CN" altLang="en-US" smtClean="0"/>
-              <a:t>2019/8/30</a:t>
+              <a:t>2019/9/4</a:t>
             </a:fld>
             <a:endParaRPr lang="zh-CN" altLang="en-US"/>
           </a:p>
@@ -2613,7 +2613,7 @@
           <a:p>
             <a:fld id="{BBF6169D-416D-4C06-B08B-5CE62A641987}" type="datetimeFigureOut">
               <a:rPr lang="zh-CN" altLang="en-US" smtClean="0"/>
-              <a:t>2019/8/30</a:t>
+              <a:t>2019/9/4</a:t>
             </a:fld>
             <a:endParaRPr lang="zh-CN" altLang="en-US"/>
           </a:p>
@@ -2924,7 +2924,7 @@
           <a:p>
             <a:fld id="{BBF6169D-416D-4C06-B08B-5CE62A641987}" type="datetimeFigureOut">
               <a:rPr lang="zh-CN" altLang="en-US" smtClean="0"/>
-              <a:t>2019/8/30</a:t>
+              <a:t>2019/9/4</a:t>
             </a:fld>
             <a:endParaRPr lang="zh-CN" altLang="en-US"/>
           </a:p>
@@ -3212,7 +3212,7 @@
           <a:p>
             <a:fld id="{BBF6169D-416D-4C06-B08B-5CE62A641987}" type="datetimeFigureOut">
               <a:rPr lang="zh-CN" altLang="en-US" smtClean="0"/>
-              <a:t>2019/8/30</a:t>
+              <a:t>2019/9/4</a:t>
             </a:fld>
             <a:endParaRPr lang="zh-CN" altLang="en-US"/>
           </a:p>
@@ -3453,7 +3453,7 @@
           <a:p>
             <a:fld id="{BBF6169D-416D-4C06-B08B-5CE62A641987}" type="datetimeFigureOut">
               <a:rPr lang="zh-CN" altLang="en-US" smtClean="0"/>
-              <a:t>2019/8/30</a:t>
+              <a:t>2019/9/4</a:t>
             </a:fld>
             <a:endParaRPr lang="zh-CN" altLang="en-US"/>
           </a:p>
@@ -4297,7 +4297,7 @@
             </a:pPr>
             <a:r>
               <a:rPr lang="zh-CN" altLang="en-US" dirty="0"/>
-              <a:t>一开始确实觉得有些麻烦，因为无法操作</a:t>
+              <a:t>一开始可能觉得有些麻烦，因为无法操作</a:t>
             </a:r>
             <a:r>
               <a:rPr lang="en-US" altLang="zh-CN" dirty="0"/>
